--- a/StockSentinmentAnalysis_FinalPresentation.pptx
+++ b/StockSentinmentAnalysis_FinalPresentation.pptx
@@ -5,30 +5,31 @@
     <p:sldMasterId id="2147483668" r:id="rId1"/>
   </p:sldMasterIdLst>
   <p:notesMasterIdLst>
-    <p:notesMasterId r:id="rId23"/>
+    <p:notesMasterId r:id="rId24"/>
   </p:notesMasterIdLst>
   <p:sldIdLst>
     <p:sldId id="256" r:id="rId2"/>
     <p:sldId id="267" r:id="rId3"/>
     <p:sldId id="263" r:id="rId4"/>
     <p:sldId id="261" r:id="rId5"/>
-    <p:sldId id="271" r:id="rId6"/>
-    <p:sldId id="258" r:id="rId7"/>
-    <p:sldId id="286" r:id="rId8"/>
-    <p:sldId id="272" r:id="rId9"/>
-    <p:sldId id="275" r:id="rId10"/>
-    <p:sldId id="276" r:id="rId11"/>
-    <p:sldId id="273" r:id="rId12"/>
-    <p:sldId id="264" r:id="rId13"/>
-    <p:sldId id="269" r:id="rId14"/>
-    <p:sldId id="270" r:id="rId15"/>
-    <p:sldId id="279" r:id="rId16"/>
-    <p:sldId id="280" r:id="rId17"/>
-    <p:sldId id="278" r:id="rId18"/>
-    <p:sldId id="277" r:id="rId19"/>
-    <p:sldId id="281" r:id="rId20"/>
-    <p:sldId id="285" r:id="rId21"/>
-    <p:sldId id="274" r:id="rId22"/>
+    <p:sldId id="287" r:id="rId6"/>
+    <p:sldId id="271" r:id="rId7"/>
+    <p:sldId id="258" r:id="rId8"/>
+    <p:sldId id="286" r:id="rId9"/>
+    <p:sldId id="272" r:id="rId10"/>
+    <p:sldId id="275" r:id="rId11"/>
+    <p:sldId id="276" r:id="rId12"/>
+    <p:sldId id="273" r:id="rId13"/>
+    <p:sldId id="264" r:id="rId14"/>
+    <p:sldId id="269" r:id="rId15"/>
+    <p:sldId id="270" r:id="rId16"/>
+    <p:sldId id="279" r:id="rId17"/>
+    <p:sldId id="280" r:id="rId18"/>
+    <p:sldId id="278" r:id="rId19"/>
+    <p:sldId id="277" r:id="rId20"/>
+    <p:sldId id="281" r:id="rId21"/>
+    <p:sldId id="285" r:id="rId22"/>
+    <p:sldId id="274" r:id="rId23"/>
   </p:sldIdLst>
   <p:sldSz cx="12192000" cy="6858000"/>
   <p:notesSz cx="6858000" cy="9144000"/>
@@ -129,7 +130,7 @@
   </p:defaultTextStyle>
   <p:extLst>
     <p:ext uri="{EFAFB233-063F-42B5-8137-9DF3F51BA10A}">
-      <p15:sldGuideLst xmlns:p15="http://schemas.microsoft.com/office/powerpoint/2012/main" xmlns="">
+      <p15:sldGuideLst xmlns="" xmlns:p15="http://schemas.microsoft.com/office/powerpoint/2012/main">
         <p15:guide id="1" orient="horz" pos="2160">
           <p15:clr>
             <a:srgbClr val="A4A3A4"/>
@@ -592,6 +593,90 @@
 </p:notes>
 </file>
 
+<file path=ppt/notesSlides/notesSlide10.xml><?xml version="1.0" encoding="utf-8"?>
+<p:notes xmlns:a="http://schemas.openxmlformats.org/drawingml/2006/main" xmlns:r="http://schemas.openxmlformats.org/officeDocument/2006/relationships" xmlns:p="http://schemas.openxmlformats.org/presentationml/2006/main">
+  <p:cSld>
+    <p:spTree>
+      <p:nvGrpSpPr>
+        <p:cNvPr id="1" name=""/>
+        <p:cNvGrpSpPr/>
+        <p:nvPr/>
+      </p:nvGrpSpPr>
+      <p:grpSpPr>
+        <a:xfrm>
+          <a:off x="0" y="0"/>
+          <a:ext cx="0" cy="0"/>
+          <a:chOff x="0" y="0"/>
+          <a:chExt cx="0" cy="0"/>
+        </a:xfrm>
+      </p:grpSpPr>
+      <p:sp>
+        <p:nvSpPr>
+          <p:cNvPr id="2" name="Slide Image Placeholder 1"/>
+          <p:cNvSpPr>
+            <a:spLocks noGrp="1" noRot="1" noChangeAspect="1"/>
+          </p:cNvSpPr>
+          <p:nvPr>
+            <p:ph type="sldImg"/>
+          </p:nvPr>
+        </p:nvSpPr>
+        <p:spPr/>
+      </p:sp>
+      <p:sp>
+        <p:nvSpPr>
+          <p:cNvPr id="3" name="Notes Placeholder 2"/>
+          <p:cNvSpPr>
+            <a:spLocks noGrp="1"/>
+          </p:cNvSpPr>
+          <p:nvPr>
+            <p:ph type="body" idx="1"/>
+          </p:nvPr>
+        </p:nvSpPr>
+        <p:spPr/>
+        <p:txBody>
+          <a:bodyPr/>
+          <a:lstStyle/>
+          <a:p>
+            <a:endParaRPr lang="en-US"/>
+          </a:p>
+        </p:txBody>
+      </p:sp>
+      <p:sp>
+        <p:nvSpPr>
+          <p:cNvPr id="4" name="Slide Number Placeholder 3"/>
+          <p:cNvSpPr>
+            <a:spLocks noGrp="1"/>
+          </p:cNvSpPr>
+          <p:nvPr>
+            <p:ph type="sldNum" sz="quarter" idx="10"/>
+          </p:nvPr>
+        </p:nvSpPr>
+        <p:spPr/>
+        <p:txBody>
+          <a:bodyPr/>
+          <a:lstStyle/>
+          <a:p>
+            <a:fld id="{72CE95B6-44C0-4485-BD6A-B1DA95342DAA}" type="slidenum">
+              <a:rPr lang="en-US"/>
+              <a:t>15</a:t>
+            </a:fld>
+            <a:endParaRPr lang="en-US"/>
+          </a:p>
+        </p:txBody>
+      </p:sp>
+    </p:spTree>
+    <p:extLst>
+      <p:ext uri="{BB962C8B-B14F-4D97-AF65-F5344CB8AC3E}">
+        <p14:creationId xmlns:p14="http://schemas.microsoft.com/office/powerpoint/2010/main" val="169092355"/>
+      </p:ext>
+    </p:extLst>
+  </p:cSld>
+  <p:clrMapOvr>
+    <a:masterClrMapping/>
+  </p:clrMapOvr>
+</p:notes>
+</file>
+
 <file path=ppt/notesSlides/notesSlide2.xml><?xml version="1.0" encoding="utf-8"?>
 <p:notes xmlns:a="http://schemas.openxmlformats.org/drawingml/2006/main" xmlns:r="http://schemas.openxmlformats.org/officeDocument/2006/relationships" xmlns:p="http://schemas.openxmlformats.org/presentationml/2006/main">
   <p:cSld>
@@ -909,7 +994,7 @@
           <a:p>
             <a:fld id="{72CE95B6-44C0-4485-BD6A-B1DA95342DAA}" type="slidenum">
               <a:rPr lang="en-US"/>
-              <a:t>6</a:t>
+              <a:t>5</a:t>
             </a:fld>
             <a:endParaRPr lang="en-US"/>
           </a:p>
@@ -918,7 +1003,7 @@
     </p:spTree>
     <p:extLst>
       <p:ext uri="{BB962C8B-B14F-4D97-AF65-F5344CB8AC3E}">
-        <p14:creationId xmlns:p14="http://schemas.microsoft.com/office/powerpoint/2010/main" val="2988108498"/>
+        <p14:creationId xmlns:p14="http://schemas.microsoft.com/office/powerpoint/2010/main" val="638403330"/>
       </p:ext>
     </p:extLst>
   </p:cSld>
@@ -1077,7 +1162,7 @@
           <a:p>
             <a:fld id="{72CE95B6-44C0-4485-BD6A-B1DA95342DAA}" type="slidenum">
               <a:rPr lang="en-US"/>
-              <a:t>12</a:t>
+              <a:t>8</a:t>
             </a:fld>
             <a:endParaRPr lang="en-US"/>
           </a:p>
@@ -1086,7 +1171,7 @@
     </p:spTree>
     <p:extLst>
       <p:ext uri="{BB962C8B-B14F-4D97-AF65-F5344CB8AC3E}">
-        <p14:creationId xmlns:p14="http://schemas.microsoft.com/office/powerpoint/2010/main" val="739173483"/>
+        <p14:creationId xmlns:p14="http://schemas.microsoft.com/office/powerpoint/2010/main" val="2988108498"/>
       </p:ext>
     </p:extLst>
   </p:cSld>
@@ -1170,7 +1255,7 @@
     </p:spTree>
     <p:extLst>
       <p:ext uri="{BB962C8B-B14F-4D97-AF65-F5344CB8AC3E}">
-        <p14:creationId xmlns:p14="http://schemas.microsoft.com/office/powerpoint/2010/main" val="494275120"/>
+        <p14:creationId xmlns:p14="http://schemas.microsoft.com/office/powerpoint/2010/main" val="739173483"/>
       </p:ext>
     </p:extLst>
   </p:cSld>
@@ -1254,7 +1339,7 @@
     </p:spTree>
     <p:extLst>
       <p:ext uri="{BB962C8B-B14F-4D97-AF65-F5344CB8AC3E}">
-        <p14:creationId xmlns:p14="http://schemas.microsoft.com/office/powerpoint/2010/main" val="169092355"/>
+        <p14:creationId xmlns:p14="http://schemas.microsoft.com/office/powerpoint/2010/main" val="494275120"/>
       </p:ext>
     </p:extLst>
   </p:cSld>
@@ -7550,6 +7635,90 @@
           <a:p>
             <a:r>
               <a:rPr lang="en-US" dirty="0" smtClean="0"/>
+              <a:t>Example: Adjusted Closing Prices by Date</a:t>
+            </a:r>
+            <a:endParaRPr lang="en-US" dirty="0"/>
+          </a:p>
+        </p:txBody>
+      </p:sp>
+      <p:pic>
+        <p:nvPicPr>
+          <p:cNvPr id="4" name="Picture 3"/>
+          <p:cNvPicPr>
+            <a:picLocks noChangeAspect="1"/>
+          </p:cNvPicPr>
+          <p:nvPr/>
+        </p:nvPicPr>
+        <p:blipFill>
+          <a:blip r:embed="rId2"/>
+          <a:stretch>
+            <a:fillRect/>
+          </a:stretch>
+        </p:blipFill>
+        <p:spPr>
+          <a:xfrm>
+            <a:off x="2600774" y="2203491"/>
+            <a:ext cx="7785786" cy="3877321"/>
+          </a:xfrm>
+          <a:prstGeom prst="rect">
+            <a:avLst/>
+          </a:prstGeom>
+        </p:spPr>
+      </p:pic>
+    </p:spTree>
+    <p:extLst>
+      <p:ext uri="{BB962C8B-B14F-4D97-AF65-F5344CB8AC3E}">
+        <p14:creationId xmlns:p14="http://schemas.microsoft.com/office/powerpoint/2010/main" val="3377951810"/>
+      </p:ext>
+    </p:extLst>
+  </p:cSld>
+  <p:clrMapOvr>
+    <a:masterClrMapping/>
+  </p:clrMapOvr>
+  <p:timing>
+    <p:tnLst>
+      <p:par>
+        <p:cTn xmlns:p14="http://schemas.microsoft.com/office/powerpoint/2010/main" id="1" dur="indefinite" restart="never" nodeType="tmRoot"/>
+      </p:par>
+    </p:tnLst>
+  </p:timing>
+</p:sld>
+</file>
+
+<file path=ppt/slides/slide11.xml><?xml version="1.0" encoding="utf-8"?>
+<p:sld xmlns:a="http://schemas.openxmlformats.org/drawingml/2006/main" xmlns:r="http://schemas.openxmlformats.org/officeDocument/2006/relationships" xmlns:p="http://schemas.openxmlformats.org/presentationml/2006/main">
+  <p:cSld>
+    <p:spTree>
+      <p:nvGrpSpPr>
+        <p:cNvPr id="1" name=""/>
+        <p:cNvGrpSpPr/>
+        <p:nvPr/>
+      </p:nvGrpSpPr>
+      <p:grpSpPr>
+        <a:xfrm>
+          <a:off x="0" y="0"/>
+          <a:ext cx="0" cy="0"/>
+          <a:chOff x="0" y="0"/>
+          <a:chExt cx="0" cy="0"/>
+        </a:xfrm>
+      </p:grpSpPr>
+      <p:sp>
+        <p:nvSpPr>
+          <p:cNvPr id="2" name="Title 1"/>
+          <p:cNvSpPr>
+            <a:spLocks noGrp="1"/>
+          </p:cNvSpPr>
+          <p:nvPr>
+            <p:ph type="title"/>
+          </p:nvPr>
+        </p:nvSpPr>
+        <p:spPr/>
+        <p:txBody>
+          <a:bodyPr/>
+          <a:lstStyle/>
+          <a:p>
+            <a:r>
+              <a:rPr lang="en-US" dirty="0" smtClean="0"/>
               <a:t>Example: Response Variables</a:t>
             </a:r>
             <a:endParaRPr lang="en-US" dirty="0"/>
@@ -7600,7 +7769,7 @@
 </p:sld>
 </file>
 
-<file path=ppt/slides/slide11.xml><?xml version="1.0" encoding="utf-8"?>
+<file path=ppt/slides/slide12.xml><?xml version="1.0" encoding="utf-8"?>
 <p:sld xmlns:a="http://schemas.openxmlformats.org/drawingml/2006/main" xmlns:r="http://schemas.openxmlformats.org/officeDocument/2006/relationships" xmlns:p="http://schemas.openxmlformats.org/presentationml/2006/main">
   <p:cSld>
     <p:spTree>
@@ -7775,7 +7944,7 @@
 </p:sld>
 </file>
 
-<file path=ppt/slides/slide12.xml><?xml version="1.0" encoding="utf-8"?>
+<file path=ppt/slides/slide13.xml><?xml version="1.0" encoding="utf-8"?>
 <p:sld xmlns:a="http://schemas.openxmlformats.org/drawingml/2006/main" xmlns:r="http://schemas.openxmlformats.org/officeDocument/2006/relationships" xmlns:p="http://schemas.openxmlformats.org/presentationml/2006/main">
   <p:cSld>
     <p:spTree>
@@ -7873,7 +8042,7 @@
 </p:sld>
 </file>
 
-<file path=ppt/slides/slide13.xml><?xml version="1.0" encoding="utf-8"?>
+<file path=ppt/slides/slide14.xml><?xml version="1.0" encoding="utf-8"?>
 <p:sld xmlns:a="http://schemas.openxmlformats.org/drawingml/2006/main" xmlns:r="http://schemas.openxmlformats.org/officeDocument/2006/relationships" xmlns:p="http://schemas.openxmlformats.org/presentationml/2006/main">
   <p:cSld>
     <p:spTree>
@@ -8181,7 +8350,7 @@
 </p:sld>
 </file>
 
-<file path=ppt/slides/slide14.xml><?xml version="1.0" encoding="utf-8"?>
+<file path=ppt/slides/slide15.xml><?xml version="1.0" encoding="utf-8"?>
 <p:sld xmlns:a="http://schemas.openxmlformats.org/drawingml/2006/main" xmlns:r="http://schemas.openxmlformats.org/officeDocument/2006/relationships" xmlns:p="http://schemas.openxmlformats.org/presentationml/2006/main">
   <p:cSld>
     <p:spTree>
@@ -8392,7 +8561,7 @@
 </p:sld>
 </file>
 
-<file path=ppt/slides/slide15.xml><?xml version="1.0" encoding="utf-8"?>
+<file path=ppt/slides/slide16.xml><?xml version="1.0" encoding="utf-8"?>
 <p:sld xmlns:a="http://schemas.openxmlformats.org/drawingml/2006/main" xmlns:r="http://schemas.openxmlformats.org/officeDocument/2006/relationships" xmlns:p="http://schemas.openxmlformats.org/presentationml/2006/main">
   <p:cSld>
     <p:spTree>
@@ -8508,7 +8677,7 @@
 </p:sld>
 </file>
 
-<file path=ppt/slides/slide16.xml><?xml version="1.0" encoding="utf-8"?>
+<file path=ppt/slides/slide17.xml><?xml version="1.0" encoding="utf-8"?>
 <p:sld xmlns:a="http://schemas.openxmlformats.org/drawingml/2006/main" xmlns:r="http://schemas.openxmlformats.org/officeDocument/2006/relationships" xmlns:p="http://schemas.openxmlformats.org/presentationml/2006/main">
   <p:cSld>
     <p:spTree>
@@ -8617,11 +8786,7 @@
             </a:r>
             <a:r>
               <a:rPr lang="en-US" sz="2500" dirty="0" smtClean="0"/>
-              <a:t>Two</a:t>
-            </a:r>
-            <a:r>
-              <a:rPr lang="en-US" sz="2500" dirty="0" smtClean="0"/>
-              <a:t> </a:t>
+              <a:t>Two </a:t>
             </a:r>
             <a:r>
               <a:rPr lang="en-US" sz="2500" dirty="0"/>
@@ -8703,7 +8868,7 @@
 </p:sld>
 </file>
 
-<file path=ppt/slides/slide17.xml><?xml version="1.0" encoding="utf-8"?>
+<file path=ppt/slides/slide18.xml><?xml version="1.0" encoding="utf-8"?>
 <p:sld xmlns:a="http://schemas.openxmlformats.org/drawingml/2006/main" xmlns:r="http://schemas.openxmlformats.org/officeDocument/2006/relationships" xmlns:p="http://schemas.openxmlformats.org/presentationml/2006/main">
   <p:cSld>
     <p:spTree>
@@ -8828,7 +8993,7 @@
 </p:sld>
 </file>
 
-<file path=ppt/slides/slide18.xml><?xml version="1.0" encoding="utf-8"?>
+<file path=ppt/slides/slide19.xml><?xml version="1.0" encoding="utf-8"?>
 <p:sld xmlns:a="http://schemas.openxmlformats.org/drawingml/2006/main" xmlns:r="http://schemas.openxmlformats.org/officeDocument/2006/relationships" xmlns:p="http://schemas.openxmlformats.org/presentationml/2006/main">
   <p:cSld>
     <p:spTree>
@@ -8941,7 +9106,135 @@
 </p:sld>
 </file>
 
-<file path=ppt/slides/slide19.xml><?xml version="1.0" encoding="utf-8"?>
+<file path=ppt/slides/slide2.xml><?xml version="1.0" encoding="utf-8"?>
+<p:sld xmlns:a="http://schemas.openxmlformats.org/drawingml/2006/main" xmlns:r="http://schemas.openxmlformats.org/officeDocument/2006/relationships" xmlns:p="http://schemas.openxmlformats.org/presentationml/2006/main">
+  <p:cSld>
+    <p:spTree>
+      <p:nvGrpSpPr>
+        <p:cNvPr id="1" name=""/>
+        <p:cNvGrpSpPr/>
+        <p:nvPr/>
+      </p:nvGrpSpPr>
+      <p:grpSpPr>
+        <a:xfrm>
+          <a:off x="0" y="0"/>
+          <a:ext cx="0" cy="0"/>
+          <a:chOff x="0" y="0"/>
+          <a:chExt cx="0" cy="0"/>
+        </a:xfrm>
+      </p:grpSpPr>
+      <p:sp>
+        <p:nvSpPr>
+          <p:cNvPr id="2" name="Title 1"/>
+          <p:cNvSpPr>
+            <a:spLocks noGrp="1"/>
+          </p:cNvSpPr>
+          <p:nvPr>
+            <p:ph type="title"/>
+          </p:nvPr>
+        </p:nvSpPr>
+        <p:spPr/>
+        <p:txBody>
+          <a:bodyPr/>
+          <a:lstStyle/>
+          <a:p>
+            <a:r>
+              <a:rPr lang="en-US" dirty="0"/>
+              <a:t>Presentation Overview</a:t>
+            </a:r>
+          </a:p>
+        </p:txBody>
+      </p:sp>
+      <p:sp>
+        <p:nvSpPr>
+          <p:cNvPr id="3" name="Content Placeholder 2"/>
+          <p:cNvSpPr>
+            <a:spLocks noGrp="1"/>
+          </p:cNvSpPr>
+          <p:nvPr>
+            <p:ph idx="1"/>
+          </p:nvPr>
+        </p:nvSpPr>
+        <p:spPr>
+          <a:xfrm>
+            <a:off x="1484311" y="2115064"/>
+            <a:ext cx="10018713" cy="3124201"/>
+          </a:xfrm>
+        </p:spPr>
+        <p:txBody>
+          <a:bodyPr>
+            <a:normAutofit/>
+          </a:bodyPr>
+          <a:lstStyle/>
+          <a:p>
+            <a:pPr marL="914400" lvl="1" indent="-457200">
+              <a:buFont typeface="+mj-lt"/>
+              <a:buAutoNum type="arabicPeriod"/>
+            </a:pPr>
+            <a:r>
+              <a:rPr lang="en-US" sz="2400" dirty="0" smtClean="0"/>
+              <a:t>Project Plan</a:t>
+            </a:r>
+            <a:endParaRPr lang="en-US" sz="2400" dirty="0"/>
+          </a:p>
+          <a:p>
+            <a:pPr marL="914400" lvl="1" indent="-457200">
+              <a:buFont typeface="+mj-lt"/>
+              <a:buAutoNum type="arabicPeriod"/>
+            </a:pPr>
+            <a:r>
+              <a:rPr lang="en-US" sz="2400" dirty="0" smtClean="0"/>
+              <a:t>Project Execution</a:t>
+            </a:r>
+            <a:endParaRPr lang="en-US" sz="2400" dirty="0"/>
+          </a:p>
+          <a:p>
+            <a:pPr marL="914400" lvl="1" indent="-457200">
+              <a:buFont typeface="+mj-lt"/>
+              <a:buAutoNum type="arabicPeriod"/>
+            </a:pPr>
+            <a:r>
+              <a:rPr lang="en-US" sz="2400" dirty="0" smtClean="0"/>
+              <a:t>Example Slides to Highlight Process</a:t>
+            </a:r>
+          </a:p>
+          <a:p>
+            <a:pPr marL="914400" lvl="1" indent="-457200">
+              <a:buFont typeface="+mj-lt"/>
+              <a:buAutoNum type="arabicPeriod"/>
+            </a:pPr>
+            <a:r>
+              <a:rPr lang="en-US" sz="2400" dirty="0" smtClean="0"/>
+              <a:t>Model Evaluation</a:t>
+            </a:r>
+          </a:p>
+          <a:p>
+            <a:pPr marL="914400" lvl="1" indent="-457200">
+              <a:buFont typeface="+mj-lt"/>
+              <a:buAutoNum type="arabicPeriod"/>
+            </a:pPr>
+            <a:r>
+              <a:rPr lang="en-US" sz="2400" dirty="0" smtClean="0"/>
+              <a:t>Conclusions</a:t>
+            </a:r>
+            <a:endParaRPr lang="en-US" sz="2400" dirty="0"/>
+          </a:p>
+        </p:txBody>
+      </p:sp>
+    </p:spTree>
+    <p:extLst>
+      <p:ext uri="{BB962C8B-B14F-4D97-AF65-F5344CB8AC3E}">
+        <p14:creationId xmlns:p14="http://schemas.microsoft.com/office/powerpoint/2010/main" val="1537727718"/>
+      </p:ext>
+    </p:extLst>
+  </p:cSld>
+  <p:clrMapOvr>
+    <a:masterClrMapping/>
+  </p:clrMapOvr>
+</p:sld>
+</file>
+
+<file path=ppt/slides/slide20.xml><?xml version="1.0" encoding="utf-8"?>
 <p:sld xmlns:a="http://schemas.openxmlformats.org/drawingml/2006/main" xmlns:r="http://schemas.openxmlformats.org/officeDocument/2006/relationships" xmlns:p="http://schemas.openxmlformats.org/presentationml/2006/main">
   <p:cSld>
     <p:spTree>
@@ -9030,135 +9323,7 @@
 </p:sld>
 </file>
 
-<file path=ppt/slides/slide2.xml><?xml version="1.0" encoding="utf-8"?>
-<p:sld xmlns:a="http://schemas.openxmlformats.org/drawingml/2006/main" xmlns:r="http://schemas.openxmlformats.org/officeDocument/2006/relationships" xmlns:p="http://schemas.openxmlformats.org/presentationml/2006/main">
-  <p:cSld>
-    <p:spTree>
-      <p:nvGrpSpPr>
-        <p:cNvPr id="1" name=""/>
-        <p:cNvGrpSpPr/>
-        <p:nvPr/>
-      </p:nvGrpSpPr>
-      <p:grpSpPr>
-        <a:xfrm>
-          <a:off x="0" y="0"/>
-          <a:ext cx="0" cy="0"/>
-          <a:chOff x="0" y="0"/>
-          <a:chExt cx="0" cy="0"/>
-        </a:xfrm>
-      </p:grpSpPr>
-      <p:sp>
-        <p:nvSpPr>
-          <p:cNvPr id="2" name="Title 1"/>
-          <p:cNvSpPr>
-            <a:spLocks noGrp="1"/>
-          </p:cNvSpPr>
-          <p:nvPr>
-            <p:ph type="title"/>
-          </p:nvPr>
-        </p:nvSpPr>
-        <p:spPr/>
-        <p:txBody>
-          <a:bodyPr/>
-          <a:lstStyle/>
-          <a:p>
-            <a:r>
-              <a:rPr lang="en-US" dirty="0"/>
-              <a:t>Presentation Overview</a:t>
-            </a:r>
-          </a:p>
-        </p:txBody>
-      </p:sp>
-      <p:sp>
-        <p:nvSpPr>
-          <p:cNvPr id="3" name="Content Placeholder 2"/>
-          <p:cNvSpPr>
-            <a:spLocks noGrp="1"/>
-          </p:cNvSpPr>
-          <p:nvPr>
-            <p:ph idx="1"/>
-          </p:nvPr>
-        </p:nvSpPr>
-        <p:spPr>
-          <a:xfrm>
-            <a:off x="1484311" y="2115064"/>
-            <a:ext cx="10018713" cy="3124201"/>
-          </a:xfrm>
-        </p:spPr>
-        <p:txBody>
-          <a:bodyPr>
-            <a:normAutofit/>
-          </a:bodyPr>
-          <a:lstStyle/>
-          <a:p>
-            <a:pPr marL="914400" lvl="1" indent="-457200">
-              <a:buFont typeface="+mj-lt"/>
-              <a:buAutoNum type="arabicPeriod"/>
-            </a:pPr>
-            <a:r>
-              <a:rPr lang="en-US" sz="2400" dirty="0" smtClean="0"/>
-              <a:t>Project Plan</a:t>
-            </a:r>
-            <a:endParaRPr lang="en-US" sz="2400" dirty="0"/>
-          </a:p>
-          <a:p>
-            <a:pPr marL="914400" lvl="1" indent="-457200">
-              <a:buFont typeface="+mj-lt"/>
-              <a:buAutoNum type="arabicPeriod"/>
-            </a:pPr>
-            <a:r>
-              <a:rPr lang="en-US" sz="2400" dirty="0" smtClean="0"/>
-              <a:t>Project Execution</a:t>
-            </a:r>
-            <a:endParaRPr lang="en-US" sz="2400" dirty="0"/>
-          </a:p>
-          <a:p>
-            <a:pPr marL="914400" lvl="1" indent="-457200">
-              <a:buFont typeface="+mj-lt"/>
-              <a:buAutoNum type="arabicPeriod"/>
-            </a:pPr>
-            <a:r>
-              <a:rPr lang="en-US" sz="2400" dirty="0" smtClean="0"/>
-              <a:t>Example Slides to Highlight Process</a:t>
-            </a:r>
-          </a:p>
-          <a:p>
-            <a:pPr marL="914400" lvl="1" indent="-457200">
-              <a:buFont typeface="+mj-lt"/>
-              <a:buAutoNum type="arabicPeriod"/>
-            </a:pPr>
-            <a:r>
-              <a:rPr lang="en-US" sz="2400" dirty="0" smtClean="0"/>
-              <a:t>Model Evaluation</a:t>
-            </a:r>
-          </a:p>
-          <a:p>
-            <a:pPr marL="914400" lvl="1" indent="-457200">
-              <a:buFont typeface="+mj-lt"/>
-              <a:buAutoNum type="arabicPeriod"/>
-            </a:pPr>
-            <a:r>
-              <a:rPr lang="en-US" sz="2400" dirty="0" smtClean="0"/>
-              <a:t>Conclusions</a:t>
-            </a:r>
-            <a:endParaRPr lang="en-US" sz="2400" dirty="0"/>
-          </a:p>
-        </p:txBody>
-      </p:sp>
-    </p:spTree>
-    <p:extLst>
-      <p:ext uri="{BB962C8B-B14F-4D97-AF65-F5344CB8AC3E}">
-        <p14:creationId xmlns:p14="http://schemas.microsoft.com/office/powerpoint/2010/main" val="1537727718"/>
-      </p:ext>
-    </p:extLst>
-  </p:cSld>
-  <p:clrMapOvr>
-    <a:masterClrMapping/>
-  </p:clrMapOvr>
-</p:sld>
-</file>
-
-<file path=ppt/slides/slide20.xml><?xml version="1.0" encoding="utf-8"?>
+<file path=ppt/slides/slide21.xml><?xml version="1.0" encoding="utf-8"?>
 <p:sld xmlns:a="http://schemas.openxmlformats.org/drawingml/2006/main" xmlns:r="http://schemas.openxmlformats.org/officeDocument/2006/relationships" xmlns:p="http://schemas.openxmlformats.org/presentationml/2006/main">
   <p:cSld>
     <p:spTree>
@@ -9247,7 +9412,7 @@
 </p:sld>
 </file>
 
-<file path=ppt/slides/slide21.xml><?xml version="1.0" encoding="utf-8"?>
+<file path=ppt/slides/slide22.xml><?xml version="1.0" encoding="utf-8"?>
 <p:sld xmlns:a="http://schemas.openxmlformats.org/drawingml/2006/main" xmlns:r="http://schemas.openxmlformats.org/officeDocument/2006/relationships" xmlns:p="http://schemas.openxmlformats.org/presentationml/2006/main">
   <p:cSld>
     <p:spTree>
@@ -9329,11 +9494,7 @@
           <a:p>
             <a:r>
               <a:rPr lang="en-US" dirty="0" smtClean="0"/>
-              <a:t>Conclusion:  Stock tweet sentiment seems to have an association with future price movement (at least throughout the second half of 2014) </a:t>
-            </a:r>
-            <a:r>
-              <a:rPr lang="en-US" dirty="0" smtClean="0"/>
-              <a:t>!</a:t>
+              <a:t>Conclusion:  Stock tweet sentiment seems to have an association with future price movement (at least throughout the second half of 2014) !</a:t>
             </a:r>
           </a:p>
           <a:p>
@@ -9341,7 +9502,6 @@
               <a:rPr lang="en-US" dirty="0" smtClean="0"/>
               <a:t>Marginal improvements from tweet data seem to be stock and time dependent</a:t>
             </a:r>
-            <a:endParaRPr lang="en-US" dirty="0" smtClean="0"/>
           </a:p>
         </p:txBody>
       </p:sp>
@@ -9894,6 +10054,124 @@
             <p:ph type="title"/>
           </p:nvPr>
         </p:nvSpPr>
+        <p:spPr>
+          <a:xfrm>
+            <a:off x="1484311" y="344714"/>
+            <a:ext cx="10018713" cy="1752599"/>
+          </a:xfrm>
+        </p:spPr>
+        <p:txBody>
+          <a:bodyPr/>
+          <a:lstStyle/>
+          <a:p>
+            <a:r>
+              <a:rPr lang="en-US" dirty="0" smtClean="0"/>
+              <a:t>Twitter Scraper</a:t>
+            </a:r>
+            <a:endParaRPr lang="en-US" dirty="0"/>
+          </a:p>
+        </p:txBody>
+      </p:sp>
+      <p:pic>
+        <p:nvPicPr>
+          <p:cNvPr id="6" name="Picture 5" descr="Screen Shot 2015-12-07 at 1.29.19 PM.png"/>
+          <p:cNvPicPr>
+            <a:picLocks noChangeAspect="1"/>
+          </p:cNvPicPr>
+          <p:nvPr/>
+        </p:nvPicPr>
+        <p:blipFill>
+          <a:blip r:embed="rId3">
+            <a:extLst>
+              <a:ext uri="{28A0092B-C50C-407E-A947-70E740481C1C}">
+                <a14:useLocalDpi xmlns:a14="http://schemas.microsoft.com/office/drawing/2010/main" val="0"/>
+              </a:ext>
+            </a:extLst>
+          </a:blip>
+          <a:stretch>
+            <a:fillRect/>
+          </a:stretch>
+        </p:blipFill>
+        <p:spPr>
+          <a:xfrm>
+            <a:off x="1439547" y="1762850"/>
+            <a:ext cx="10604500" cy="1066800"/>
+          </a:xfrm>
+          <a:prstGeom prst="rect">
+            <a:avLst/>
+          </a:prstGeom>
+        </p:spPr>
+      </p:pic>
+      <p:pic>
+        <p:nvPicPr>
+          <p:cNvPr id="7" name="Picture 6" descr="Screen Shot 2015-12-07 at 1.31.43 PM.png"/>
+          <p:cNvPicPr>
+            <a:picLocks noChangeAspect="1"/>
+          </p:cNvPicPr>
+          <p:nvPr/>
+        </p:nvPicPr>
+        <p:blipFill>
+          <a:blip r:embed="rId4">
+            <a:extLst>
+              <a:ext uri="{28A0092B-C50C-407E-A947-70E740481C1C}">
+                <a14:useLocalDpi xmlns:a14="http://schemas.microsoft.com/office/drawing/2010/main" val="0"/>
+              </a:ext>
+            </a:extLst>
+          </a:blip>
+          <a:stretch>
+            <a:fillRect/>
+          </a:stretch>
+        </p:blipFill>
+        <p:spPr>
+          <a:xfrm>
+            <a:off x="1344242" y="3287857"/>
+            <a:ext cx="10680700" cy="2374900"/>
+          </a:xfrm>
+          <a:prstGeom prst="rect">
+            <a:avLst/>
+          </a:prstGeom>
+        </p:spPr>
+      </p:pic>
+    </p:spTree>
+    <p:extLst>
+      <p:ext uri="{BB962C8B-B14F-4D97-AF65-F5344CB8AC3E}">
+        <p14:creationId xmlns:p14="http://schemas.microsoft.com/office/powerpoint/2010/main" val="96105672"/>
+      </p:ext>
+    </p:extLst>
+  </p:cSld>
+  <p:clrMapOvr>
+    <a:masterClrMapping/>
+  </p:clrMapOvr>
+</p:sld>
+</file>
+
+<file path=ppt/slides/slide6.xml><?xml version="1.0" encoding="utf-8"?>
+<p:sld xmlns:a="http://schemas.openxmlformats.org/drawingml/2006/main" xmlns:r="http://schemas.openxmlformats.org/officeDocument/2006/relationships" xmlns:p="http://schemas.openxmlformats.org/presentationml/2006/main">
+  <p:cSld>
+    <p:spTree>
+      <p:nvGrpSpPr>
+        <p:cNvPr id="1" name=""/>
+        <p:cNvGrpSpPr/>
+        <p:nvPr/>
+      </p:nvGrpSpPr>
+      <p:grpSpPr>
+        <a:xfrm>
+          <a:off x="0" y="0"/>
+          <a:ext cx="0" cy="0"/>
+          <a:chOff x="0" y="0"/>
+          <a:chExt cx="0" cy="0"/>
+        </a:xfrm>
+      </p:grpSpPr>
+      <p:sp>
+        <p:nvSpPr>
+          <p:cNvPr id="2" name="Title 1"/>
+          <p:cNvSpPr>
+            <a:spLocks noGrp="1"/>
+          </p:cNvSpPr>
+          <p:nvPr>
+            <p:ph type="title"/>
+          </p:nvPr>
+        </p:nvSpPr>
         <p:spPr/>
         <p:txBody>
           <a:bodyPr/>
@@ -9944,7 +10222,7 @@
 </p:sld>
 </file>
 
-<file path=ppt/slides/slide6.xml><?xml version="1.0" encoding="utf-8"?>
+<file path=ppt/slides/slide7.xml><?xml version="1.0" encoding="utf-8"?>
 <p:sld xmlns:a="http://schemas.openxmlformats.org/drawingml/2006/main" xmlns:r="http://schemas.openxmlformats.org/officeDocument/2006/relationships" xmlns:p="http://schemas.openxmlformats.org/presentationml/2006/main">
   <p:cSld>
     <p:spTree>
@@ -10032,7 +10310,7 @@
 </p:sld>
 </file>
 
-<file path=ppt/slides/slide7.xml><?xml version="1.0" encoding="utf-8"?>
+<file path=ppt/slides/slide8.xml><?xml version="1.0" encoding="utf-8"?>
 <p:sld xmlns:a="http://schemas.openxmlformats.org/drawingml/2006/main" xmlns:r="http://schemas.openxmlformats.org/officeDocument/2006/relationships" xmlns:p="http://schemas.openxmlformats.org/presentationml/2006/main">
   <p:cSld>
     <p:spTree>
@@ -10120,7 +10398,7 @@
 </p:sld>
 </file>
 
-<file path=ppt/slides/slide8.xml><?xml version="1.0" encoding="utf-8"?>
+<file path=ppt/slides/slide9.xml><?xml version="1.0" encoding="utf-8"?>
 <p:sld xmlns:a="http://schemas.openxmlformats.org/drawingml/2006/main" xmlns:r="http://schemas.openxmlformats.org/officeDocument/2006/relationships" xmlns:p="http://schemas.openxmlformats.org/presentationml/2006/main">
   <p:cSld>
     <p:spTree>
@@ -10206,90 +10484,6 @@
   <p:clrMapOvr>
     <a:masterClrMapping/>
   </p:clrMapOvr>
-</p:sld>
-</file>
-
-<file path=ppt/slides/slide9.xml><?xml version="1.0" encoding="utf-8"?>
-<p:sld xmlns:a="http://schemas.openxmlformats.org/drawingml/2006/main" xmlns:r="http://schemas.openxmlformats.org/officeDocument/2006/relationships" xmlns:p="http://schemas.openxmlformats.org/presentationml/2006/main">
-  <p:cSld>
-    <p:spTree>
-      <p:nvGrpSpPr>
-        <p:cNvPr id="1" name=""/>
-        <p:cNvGrpSpPr/>
-        <p:nvPr/>
-      </p:nvGrpSpPr>
-      <p:grpSpPr>
-        <a:xfrm>
-          <a:off x="0" y="0"/>
-          <a:ext cx="0" cy="0"/>
-          <a:chOff x="0" y="0"/>
-          <a:chExt cx="0" cy="0"/>
-        </a:xfrm>
-      </p:grpSpPr>
-      <p:sp>
-        <p:nvSpPr>
-          <p:cNvPr id="2" name="Title 1"/>
-          <p:cNvSpPr>
-            <a:spLocks noGrp="1"/>
-          </p:cNvSpPr>
-          <p:nvPr>
-            <p:ph type="title"/>
-          </p:nvPr>
-        </p:nvSpPr>
-        <p:spPr/>
-        <p:txBody>
-          <a:bodyPr/>
-          <a:lstStyle/>
-          <a:p>
-            <a:r>
-              <a:rPr lang="en-US" dirty="0" smtClean="0"/>
-              <a:t>Example: Adjusted Closing Prices by Date</a:t>
-            </a:r>
-            <a:endParaRPr lang="en-US" dirty="0"/>
-          </a:p>
-        </p:txBody>
-      </p:sp>
-      <p:pic>
-        <p:nvPicPr>
-          <p:cNvPr id="4" name="Picture 3"/>
-          <p:cNvPicPr>
-            <a:picLocks noChangeAspect="1"/>
-          </p:cNvPicPr>
-          <p:nvPr/>
-        </p:nvPicPr>
-        <p:blipFill>
-          <a:blip r:embed="rId2"/>
-          <a:stretch>
-            <a:fillRect/>
-          </a:stretch>
-        </p:blipFill>
-        <p:spPr>
-          <a:xfrm>
-            <a:off x="2600774" y="2203491"/>
-            <a:ext cx="7785786" cy="3877321"/>
-          </a:xfrm>
-          <a:prstGeom prst="rect">
-            <a:avLst/>
-          </a:prstGeom>
-        </p:spPr>
-      </p:pic>
-    </p:spTree>
-    <p:extLst>
-      <p:ext uri="{BB962C8B-B14F-4D97-AF65-F5344CB8AC3E}">
-        <p14:creationId xmlns:p14="http://schemas.microsoft.com/office/powerpoint/2010/main" val="3377951810"/>
-      </p:ext>
-    </p:extLst>
-  </p:cSld>
-  <p:clrMapOvr>
-    <a:masterClrMapping/>
-  </p:clrMapOvr>
-  <p:timing>
-    <p:tnLst>
-      <p:par>
-        <p:cTn xmlns:p14="http://schemas.microsoft.com/office/powerpoint/2010/main" id="1" dur="indefinite" restart="never" nodeType="tmRoot"/>
-      </p:par>
-    </p:tnLst>
-  </p:timing>
 </p:sld>
 </file>
 
@@ -10543,7 +10737,7 @@
   <a:extraClrSchemeLst/>
   <a:extLst>
     <a:ext uri="{05A4C25C-085E-4340-85A3-A5531E510DB2}">
-      <thm15:themeFamily xmlns:thm15="http://schemas.microsoft.com/office/thememl/2012/main" xmlns="" name="Parallax" id="{3388167B-A2EB-4685-9635-1831D9AEF8C4}" vid="{EBEC8F79-A447-43FC-8E81-85E8468AF3F9}"/>
+      <thm15:themeFamily xmlns="" xmlns:thm15="http://schemas.microsoft.com/office/thememl/2012/main" name="Parallax" id="{3388167B-A2EB-4685-9635-1831D9AEF8C4}" vid="{EBEC8F79-A447-43FC-8E81-85E8468AF3F9}"/>
     </a:ext>
   </a:extLst>
 </a:theme>
@@ -10804,7 +10998,7 @@
   <a:extraClrSchemeLst/>
   <a:extLst>
     <a:ext uri="{05A4C25C-085E-4340-85A3-A5531E510DB2}">
-      <thm15:themeFamily xmlns:thm15="http://schemas.microsoft.com/office/thememl/2012/main" xmlns="" name="Office Theme" id="{62F939B6-93AF-4DB8-9C6B-D6C7DFDC589F}" vid="{4A3C46E8-61CC-4603-A589-7422A47A8E4A}"/>
+      <thm15:themeFamily xmlns="" xmlns:thm15="http://schemas.microsoft.com/office/thememl/2012/main" name="Office Theme" id="{62F939B6-93AF-4DB8-9C6B-D6C7DFDC589F}" vid="{4A3C46E8-61CC-4603-A589-7422A47A8E4A}"/>
     </a:ext>
   </a:extLst>
 </a:theme>
